--- a/Files/Präsentation.pptx
+++ b/Files/Präsentation.pptx
@@ -13,11 +13,11 @@
     <p:sldId id="264" r:id="rId7"/>
     <p:sldId id="265" r:id="rId8"/>
     <p:sldId id="259" r:id="rId9"/>
-    <p:sldId id="260" r:id="rId10"/>
-    <p:sldId id="266" r:id="rId11"/>
-    <p:sldId id="267" r:id="rId12"/>
-    <p:sldId id="262" r:id="rId13"/>
-    <p:sldId id="273" r:id="rId14"/>
+    <p:sldId id="274" r:id="rId10"/>
+    <p:sldId id="260" r:id="rId11"/>
+    <p:sldId id="266" r:id="rId12"/>
+    <p:sldId id="267" r:id="rId13"/>
+    <p:sldId id="262" r:id="rId14"/>
     <p:sldId id="261" r:id="rId15"/>
     <p:sldId id="269" r:id="rId16"/>
   </p:sldIdLst>
@@ -129,7 +129,7 @@
 <file path=ppt/revisionInfo.xml><?xml version="1.0" encoding="utf-8"?>
 <p1510:revInfo xmlns:a="http://schemas.openxmlformats.org/drawingml/2006/main" xmlns:r="http://schemas.openxmlformats.org/officeDocument/2006/relationships" xmlns:p1510="http://schemas.microsoft.com/office/powerpoint/2015/10/main">
   <p1510:revLst>
-    <p1510:client id="{FEFC022C-8542-1F4B-B491-9566EEC42D80}" v="21" dt="2025-02-17T13:30:24.158"/>
+    <p1510:client id="{3C41B5B9-515D-30C6-CA09-E05844B8822F}" v="57" dt="2025-02-28T07:41:02.326"/>
   </p1510:revLst>
 </p1510:revInfo>
 </file>
@@ -7014,6 +7014,154 @@
           <p:cNvPr id="2" name="Titel 1">
             <a:extLst>
               <a:ext uri="{FF2B5EF4-FFF2-40B4-BE49-F238E27FC236}">
+                <a16:creationId xmlns:a16="http://schemas.microsoft.com/office/drawing/2014/main" id="{0338EF31-6828-6DAE-43D6-0A0676571BB2}"/>
+              </a:ext>
+            </a:extLst>
+          </p:cNvPr>
+          <p:cNvSpPr>
+            <a:spLocks noGrp="1"/>
+          </p:cNvSpPr>
+          <p:nvPr>
+            <p:ph type="title"/>
+          </p:nvPr>
+        </p:nvSpPr>
+        <p:spPr/>
+        <p:txBody>
+          <a:bodyPr>
+            <a:normAutofit/>
+          </a:bodyPr>
+          <a:lstStyle/>
+          <a:p>
+            <a:r>
+              <a:rPr lang="de-DE" sz="6000" dirty="0"/>
+              <a:t>Tech Stack</a:t>
+            </a:r>
+          </a:p>
+        </p:txBody>
+      </p:sp>
+      <p:sp>
+        <p:nvSpPr>
+          <p:cNvPr id="3" name="Inhaltsplatzhalter 2">
+            <a:extLst>
+              <a:ext uri="{FF2B5EF4-FFF2-40B4-BE49-F238E27FC236}">
+                <a16:creationId xmlns:a16="http://schemas.microsoft.com/office/drawing/2014/main" id="{5E337D52-3754-488D-CC75-7FFA0E5E1869}"/>
+              </a:ext>
+            </a:extLst>
+          </p:cNvPr>
+          <p:cNvSpPr>
+            <a:spLocks noGrp="1"/>
+          </p:cNvSpPr>
+          <p:nvPr>
+            <p:ph idx="1"/>
+          </p:nvPr>
+        </p:nvSpPr>
+        <p:spPr/>
+        <p:txBody>
+          <a:bodyPr>
+            <a:normAutofit/>
+          </a:bodyPr>
+          <a:lstStyle/>
+          <a:p>
+            <a:r>
+              <a:rPr lang="de-DE" sz="3600" b="1" dirty="0"/>
+              <a:t>Frontend:</a:t>
+            </a:r>
+            <a:r>
+              <a:rPr lang="de-DE" sz="3600" dirty="0"/>
+              <a:t> </a:t>
+            </a:r>
+            <a:r>
+              <a:rPr lang="de-DE" sz="3600" dirty="0" err="1"/>
+              <a:t>Blazor</a:t>
+            </a:r>
+            <a:r>
+              <a:rPr lang="de-DE" sz="3600" dirty="0"/>
+              <a:t> Server, </a:t>
+            </a:r>
+            <a:r>
+              <a:rPr lang="de-DE" sz="3600" dirty="0" err="1"/>
+              <a:t>Leaflet.js</a:t>
+            </a:r>
+            <a:r>
+              <a:rPr lang="de-DE" sz="3600" dirty="0"/>
+              <a:t> für Kartenvisualisierung</a:t>
+            </a:r>
+          </a:p>
+          <a:p>
+            <a:r>
+              <a:rPr lang="de-DE" sz="3600" b="1" dirty="0"/>
+              <a:t>Backend:</a:t>
+            </a:r>
+            <a:r>
+              <a:rPr lang="de-DE" sz="3600" dirty="0"/>
+              <a:t> C# &amp; .NET</a:t>
+            </a:r>
+          </a:p>
+          <a:p>
+            <a:r>
+              <a:rPr lang="de-DE" sz="3600" b="1" dirty="0"/>
+              <a:t>Datenbank:</a:t>
+            </a:r>
+            <a:r>
+              <a:rPr lang="de-DE" sz="3600" dirty="0"/>
+              <a:t> MSSQL</a:t>
+            </a:r>
+          </a:p>
+          <a:p>
+            <a:r>
+              <a:rPr lang="de-DE" sz="3600" b="1" dirty="0"/>
+              <a:t>Hosting:</a:t>
+            </a:r>
+            <a:r>
+              <a:rPr lang="de-DE" sz="3600" dirty="0"/>
+              <a:t> </a:t>
+            </a:r>
+            <a:r>
+              <a:rPr lang="de-DE" sz="3600" dirty="0" err="1"/>
+              <a:t>Ionos</a:t>
+            </a:r>
+            <a:r>
+              <a:rPr lang="de-DE" sz="3600" dirty="0"/>
+              <a:t> ASP. Net Webhosting </a:t>
+            </a:r>
+          </a:p>
+        </p:txBody>
+      </p:sp>
+    </p:spTree>
+    <p:extLst>
+      <p:ext uri="{BB962C8B-B14F-4D97-AF65-F5344CB8AC3E}">
+        <p14:creationId xmlns:p14="http://schemas.microsoft.com/office/powerpoint/2010/main" val="2030213133"/>
+      </p:ext>
+    </p:extLst>
+  </p:cSld>
+  <p:clrMapOvr>
+    <a:masterClrMapping/>
+  </p:clrMapOvr>
+</p:sld>
+</file>
+
+<file path=ppt/slides/slide11.xml><?xml version="1.0" encoding="utf-8"?>
+<p:sld xmlns:a="http://schemas.openxmlformats.org/drawingml/2006/main" xmlns:r="http://schemas.openxmlformats.org/officeDocument/2006/relationships" xmlns:p="http://schemas.openxmlformats.org/presentationml/2006/main">
+  <p:cSld>
+    <p:spTree>
+      <p:nvGrpSpPr>
+        <p:cNvPr id="1" name=""/>
+        <p:cNvGrpSpPr/>
+        <p:nvPr/>
+      </p:nvGrpSpPr>
+      <p:grpSpPr>
+        <a:xfrm>
+          <a:off x="0" y="0"/>
+          <a:ext cx="0" cy="0"/>
+          <a:chOff x="0" y="0"/>
+          <a:chExt cx="0" cy="0"/>
+        </a:xfrm>
+      </p:grpSpPr>
+      <p:sp>
+        <p:nvSpPr>
+          <p:cNvPr id="2" name="Titel 1">
+            <a:extLst>
+              <a:ext uri="{FF2B5EF4-FFF2-40B4-BE49-F238E27FC236}">
                 <a16:creationId xmlns:a16="http://schemas.microsoft.com/office/drawing/2014/main" id="{91D8A9B6-9AC2-B807-49C3-4E578915F742}"/>
               </a:ext>
             </a:extLst>
@@ -7116,7 +7264,7 @@
 </p:sld>
 </file>
 
-<file path=ppt/slides/slide11.xml><?xml version="1.0" encoding="utf-8"?>
+<file path=ppt/slides/slide12.xml><?xml version="1.0" encoding="utf-8"?>
 <p:sld xmlns:a="http://schemas.openxmlformats.org/drawingml/2006/main" xmlns:r="http://schemas.openxmlformats.org/officeDocument/2006/relationships" xmlns:p="http://schemas.openxmlformats.org/presentationml/2006/main">
   <p:cSld>
     <p:spTree>
@@ -7200,7 +7348,7 @@
 </p:sld>
 </file>
 
-<file path=ppt/slides/slide12.xml><?xml version="1.0" encoding="utf-8"?>
+<file path=ppt/slides/slide13.xml><?xml version="1.0" encoding="utf-8"?>
 <p:sld xmlns:a="http://schemas.openxmlformats.org/drawingml/2006/main" xmlns:r="http://schemas.openxmlformats.org/officeDocument/2006/relationships" xmlns:p="http://schemas.openxmlformats.org/presentationml/2006/main">
   <p:cSld>
     <p:spTree>
@@ -7264,78 +7412,6 @@
     <p:extLst>
       <p:ext uri="{BB962C8B-B14F-4D97-AF65-F5344CB8AC3E}">
         <p14:creationId xmlns:p14="http://schemas.microsoft.com/office/powerpoint/2010/main" val="4288577058"/>
-      </p:ext>
-    </p:extLst>
-  </p:cSld>
-  <p:clrMapOvr>
-    <a:masterClrMapping/>
-  </p:clrMapOvr>
-</p:sld>
-</file>
-
-<file path=ppt/slides/slide13.xml><?xml version="1.0" encoding="utf-8"?>
-<p:sld xmlns:a="http://schemas.openxmlformats.org/drawingml/2006/main" xmlns:r="http://schemas.openxmlformats.org/officeDocument/2006/relationships" xmlns:p="http://schemas.openxmlformats.org/presentationml/2006/main">
-  <p:cSld>
-    <p:spTree>
-      <p:nvGrpSpPr>
-        <p:cNvPr id="1" name="">
-          <a:extLst>
-            <a:ext uri="{FF2B5EF4-FFF2-40B4-BE49-F238E27FC236}">
-              <a16:creationId xmlns:a16="http://schemas.microsoft.com/office/drawing/2014/main" id="{D69921BF-196D-7732-5A0B-9C66759064EC}"/>
-            </a:ext>
-          </a:extLst>
-        </p:cNvPr>
-        <p:cNvGrpSpPr/>
-        <p:nvPr/>
-      </p:nvGrpSpPr>
-      <p:grpSpPr>
-        <a:xfrm>
-          <a:off x="0" y="0"/>
-          <a:ext cx="0" cy="0"/>
-          <a:chOff x="0" y="0"/>
-          <a:chExt cx="0" cy="0"/>
-        </a:xfrm>
-      </p:grpSpPr>
-      <p:sp>
-        <p:nvSpPr>
-          <p:cNvPr id="4" name="Titel 3">
-            <a:extLst>
-              <a:ext uri="{FF2B5EF4-FFF2-40B4-BE49-F238E27FC236}">
-                <a16:creationId xmlns:a16="http://schemas.microsoft.com/office/drawing/2014/main" id="{80BA91CC-6BA9-5EC5-F71E-F5E9B9459F9B}"/>
-              </a:ext>
-            </a:extLst>
-          </p:cNvPr>
-          <p:cNvSpPr>
-            <a:spLocks noGrp="1"/>
-          </p:cNvSpPr>
-          <p:nvPr>
-            <p:ph type="title"/>
-          </p:nvPr>
-        </p:nvSpPr>
-        <p:spPr>
-          <a:xfrm>
-            <a:off x="1295400" y="2938236"/>
-            <a:ext cx="9601200" cy="981528"/>
-          </a:xfrm>
-        </p:spPr>
-        <p:txBody>
-          <a:bodyPr>
-            <a:noAutofit/>
-          </a:bodyPr>
-          <a:lstStyle/>
-          <a:p>
-            <a:pPr algn="ctr"/>
-            <a:r>
-              <a:rPr lang="de-DE" sz="6600" dirty="0"/>
-              <a:t>Kosten</a:t>
-            </a:r>
-          </a:p>
-        </p:txBody>
-      </p:sp>
-    </p:spTree>
-    <p:extLst>
-      <p:ext uri="{BB962C8B-B14F-4D97-AF65-F5344CB8AC3E}">
-        <p14:creationId xmlns:p14="http://schemas.microsoft.com/office/powerpoint/2010/main" val="260726381"/>
       </p:ext>
     </p:extLst>
   </p:cSld>
@@ -9848,7 +9924,7 @@
           <p:cNvPr id="2" name="Titel 1">
             <a:extLst>
               <a:ext uri="{FF2B5EF4-FFF2-40B4-BE49-F238E27FC236}">
-                <a16:creationId xmlns:a16="http://schemas.microsoft.com/office/drawing/2014/main" id="{0338EF31-6828-6DAE-43D6-0A0676571BB2}"/>
+                <a16:creationId xmlns:a16="http://schemas.microsoft.com/office/drawing/2014/main" id="{73B7CDF3-6643-EA2E-148D-25FE14E8214A}"/>
               </a:ext>
             </a:extLst>
           </p:cNvPr>
@@ -9866,19 +9942,21 @@
           </a:bodyPr>
           <a:lstStyle/>
           <a:p>
-            <a:r>
-              <a:rPr lang="de-DE" sz="6000" dirty="0"/>
-              <a:t>Tech Stack</a:t>
-            </a:r>
+            <a:pPr algn="ctr"/>
+            <a:r>
+              <a:rPr lang="de-DE" sz="6600" dirty="0"/>
+              <a:t>Kosten</a:t>
+            </a:r>
+            <a:endParaRPr lang="de-DE" dirty="0"/>
           </a:p>
         </p:txBody>
       </p:sp>
       <p:sp>
         <p:nvSpPr>
-          <p:cNvPr id="3" name="Inhaltsplatzhalter 2">
+          <p:cNvPr id="3" name="Textplatzhalter 2">
             <a:extLst>
               <a:ext uri="{FF2B5EF4-FFF2-40B4-BE49-F238E27FC236}">
-                <a16:creationId xmlns:a16="http://schemas.microsoft.com/office/drawing/2014/main" id="{5E337D52-3754-488D-CC75-7FFA0E5E1869}"/>
+                <a16:creationId xmlns:a16="http://schemas.microsoft.com/office/drawing/2014/main" id="{C4D52DFA-45BA-CB83-90F7-D6877E9DD280}"/>
               </a:ext>
             </a:extLst>
           </p:cNvPr>
@@ -9886,85 +9964,163 @@
             <a:spLocks noGrp="1"/>
           </p:cNvSpPr>
           <p:nvPr>
-            <p:ph idx="1"/>
+            <p:ph type="body" idx="1"/>
           </p:nvPr>
         </p:nvSpPr>
         <p:spPr/>
         <p:txBody>
-          <a:bodyPr>
-            <a:normAutofit/>
+          <a:bodyPr/>
+          <a:lstStyle/>
+          <a:p>
+            <a:pPr algn="ctr"/>
+            <a:r>
+              <a:rPr lang="de-DE" dirty="0"/>
+              <a:t>Einmalige Kosten</a:t>
+            </a:r>
+            <a:endParaRPr lang="de-DE"/>
+          </a:p>
+        </p:txBody>
+      </p:sp>
+      <p:pic>
+        <p:nvPicPr>
+          <p:cNvPr id="7" name="Inhaltsplatzhalter 6" descr="Ein Bild, das Text, Screenshot, Kreis, Schrift enthält.&#10;&#10;KI-generierte Inhalte können fehlerhaft sein.">
+            <a:extLst>
+              <a:ext uri="{FF2B5EF4-FFF2-40B4-BE49-F238E27FC236}">
+                <a16:creationId xmlns:a16="http://schemas.microsoft.com/office/drawing/2014/main" id="{CEB6FAE8-05C9-998B-5A29-1FC733CD7CE7}"/>
+              </a:ext>
+            </a:extLst>
+          </p:cNvPr>
+          <p:cNvPicPr>
+            <a:picLocks noGrp="1" noChangeAspect="1"/>
+          </p:cNvPicPr>
+          <p:nvPr>
+            <p:ph sz="half" idx="2"/>
+          </p:nvPr>
+        </p:nvPicPr>
+        <p:blipFill>
+          <a:blip r:embed="rId2"/>
+          <a:stretch>
+            <a:fillRect/>
+          </a:stretch>
+        </p:blipFill>
+        <p:spPr>
+          <a:xfrm>
+            <a:off x="2093256" y="3305207"/>
+            <a:ext cx="3000671" cy="2562193"/>
+          </a:xfrm>
+        </p:spPr>
+      </p:pic>
+      <p:sp>
+        <p:nvSpPr>
+          <p:cNvPr id="5" name="Textplatzhalter 4">
+            <a:extLst>
+              <a:ext uri="{FF2B5EF4-FFF2-40B4-BE49-F238E27FC236}">
+                <a16:creationId xmlns:a16="http://schemas.microsoft.com/office/drawing/2014/main" id="{88AEE11B-2B97-2047-CD18-D6D2C4D11D44}"/>
+              </a:ext>
+            </a:extLst>
+          </p:cNvPr>
+          <p:cNvSpPr>
+            <a:spLocks noGrp="1"/>
+          </p:cNvSpPr>
+          <p:nvPr>
+            <p:ph type="body" sz="quarter" idx="3"/>
+          </p:nvPr>
+        </p:nvSpPr>
+        <p:spPr/>
+        <p:txBody>
+          <a:bodyPr/>
+          <a:lstStyle/>
+          <a:p>
+            <a:pPr algn="ctr"/>
+            <a:r>
+              <a:rPr lang="de-DE" dirty="0">
+                <a:solidFill>
+                  <a:srgbClr val="000000"/>
+                </a:solidFill>
+                <a:latin typeface="Franklin Gothic Book"/>
+                <a:cs typeface="Arial"/>
+              </a:rPr>
+              <a:t>Laufende Kosten</a:t>
+            </a:r>
+            <a:endParaRPr lang="de-DE">
+              <a:latin typeface="Franklin Gothic Book"/>
+            </a:endParaRPr>
+          </a:p>
+        </p:txBody>
+      </p:sp>
+      <p:pic>
+        <p:nvPicPr>
+          <p:cNvPr id="8" name="Inhaltsplatzhalter 7" descr="Ein Bild, das Text, Screenshot, Schrift, Kreis enthält.&#10;&#10;KI-generierte Inhalte können fehlerhaft sein.">
+            <a:extLst>
+              <a:ext uri="{FF2B5EF4-FFF2-40B4-BE49-F238E27FC236}">
+                <a16:creationId xmlns:a16="http://schemas.microsoft.com/office/drawing/2014/main" id="{ACE25FEC-B92A-4CC2-A73E-7941587D4D24}"/>
+              </a:ext>
+            </a:extLst>
+          </p:cNvPr>
+          <p:cNvPicPr>
+            <a:picLocks noGrp="1" noChangeAspect="1"/>
+          </p:cNvPicPr>
+          <p:nvPr>
+            <p:ph sz="quarter" idx="4"/>
+          </p:nvPr>
+        </p:nvPicPr>
+        <p:blipFill>
+          <a:blip r:embed="rId3"/>
+          <a:stretch>
+            <a:fillRect/>
+          </a:stretch>
+        </p:blipFill>
+        <p:spPr>
+          <a:xfrm>
+            <a:off x="7233463" y="3305207"/>
+            <a:ext cx="3027086" cy="2562193"/>
+          </a:xfrm>
+        </p:spPr>
+      </p:pic>
+      <p:sp>
+        <p:nvSpPr>
+          <p:cNvPr id="9" name="Textfeld 8">
+            <a:extLst>
+              <a:ext uri="{FF2B5EF4-FFF2-40B4-BE49-F238E27FC236}">
+                <a16:creationId xmlns:a16="http://schemas.microsoft.com/office/drawing/2014/main" id="{CFB031D8-EA89-AC93-D275-46B61DF27C1B}"/>
+              </a:ext>
+            </a:extLst>
+          </p:cNvPr>
+          <p:cNvSpPr txBox="1"/>
+          <p:nvPr/>
+        </p:nvSpPr>
+        <p:spPr>
+          <a:xfrm>
+            <a:off x="7237310" y="6012872"/>
+            <a:ext cx="3032794" cy="369332"/>
+          </a:xfrm>
+          <a:prstGeom prst="rect">
+            <a:avLst/>
+          </a:prstGeom>
+          <a:noFill/>
+        </p:spPr>
+        <p:txBody>
+          <a:bodyPr rot="0" spcFirstLastPara="0" vertOverflow="overflow" horzOverflow="overflow" vert="horz" wrap="square" lIns="91440" tIns="45720" rIns="91440" bIns="45720" numCol="1" spcCol="0" rtlCol="0" fromWordArt="0" anchor="t" anchorCtr="0" forceAA="0" compatLnSpc="1">
+            <a:prstTxWarp prst="textNoShape">
+              <a:avLst/>
+            </a:prstTxWarp>
+            <a:spAutoFit/>
           </a:bodyPr>
           <a:lstStyle/>
           <a:p>
-            <a:r>
-              <a:rPr lang="de-DE" sz="3600" b="1" dirty="0"/>
-              <a:t>Frontend:</a:t>
-            </a:r>
-            <a:r>
-              <a:rPr lang="de-DE" sz="3600" dirty="0"/>
-              <a:t> </a:t>
-            </a:r>
-            <a:r>
-              <a:rPr lang="de-DE" sz="3600" dirty="0" err="1"/>
-              <a:t>Blazor</a:t>
-            </a:r>
-            <a:r>
-              <a:rPr lang="de-DE" sz="3600" dirty="0"/>
-              <a:t> Server, </a:t>
-            </a:r>
-            <a:r>
-              <a:rPr lang="de-DE" sz="3600" dirty="0" err="1"/>
-              <a:t>Leaflet.js</a:t>
-            </a:r>
-            <a:r>
-              <a:rPr lang="de-DE" sz="3600" dirty="0"/>
-              <a:t> für Kartenvisualisierung</a:t>
-            </a:r>
-          </a:p>
-          <a:p>
-            <a:r>
-              <a:rPr lang="de-DE" sz="3600" b="1" dirty="0"/>
-              <a:t>Backend:</a:t>
-            </a:r>
-            <a:r>
-              <a:rPr lang="de-DE" sz="3600" dirty="0"/>
-              <a:t> C# &amp; .NET</a:t>
-            </a:r>
-          </a:p>
-          <a:p>
-            <a:r>
-              <a:rPr lang="de-DE" sz="3600" b="1" dirty="0"/>
-              <a:t>Datenbank:</a:t>
-            </a:r>
-            <a:r>
-              <a:rPr lang="de-DE" sz="3600" dirty="0"/>
-              <a:t> MSSQL</a:t>
-            </a:r>
-          </a:p>
-          <a:p>
-            <a:r>
-              <a:rPr lang="de-DE" sz="3600" b="1" dirty="0"/>
-              <a:t>Hosting:</a:t>
-            </a:r>
-            <a:r>
-              <a:rPr lang="de-DE" sz="3600" dirty="0"/>
-              <a:t> </a:t>
-            </a:r>
-            <a:r>
-              <a:rPr lang="de-DE" sz="3600" dirty="0" err="1"/>
-              <a:t>Ionos</a:t>
-            </a:r>
-            <a:r>
-              <a:rPr lang="de-DE" sz="3600" dirty="0"/>
-              <a:t> ASP. Net Webhosting </a:t>
-            </a:r>
+            <a:pPr algn="ctr"/>
+            <a:r>
+              <a:rPr lang="de-DE" dirty="0"/>
+              <a:t>Pro Monat</a:t>
+            </a:r>
+            <a:endParaRPr lang="de-DE"/>
           </a:p>
         </p:txBody>
       </p:sp>
     </p:spTree>
     <p:extLst>
       <p:ext uri="{BB962C8B-B14F-4D97-AF65-F5344CB8AC3E}">
-        <p14:creationId xmlns:p14="http://schemas.microsoft.com/office/powerpoint/2010/main" val="2030213133"/>
+        <p14:creationId xmlns:p14="http://schemas.microsoft.com/office/powerpoint/2010/main" val="22332575"/>
       </p:ext>
     </p:extLst>
   </p:cSld>
